--- a/Figure/AMD1_OR.pptx
+++ b/Figure/AMD1_OR.pptx
@@ -1467,7 +1467,7 @@
           <a:bodyPr lIns="0" rIns="0" tIns="0" bIns="0"/>
           <a:p>
             <a:pPr algn="r"/>
-            <a:fld id="{E5DDB61A-A1D6-4083-A2A6-95B932A35ADE}" type="slidenum">
+            <a:fld id="{4DB67804-43BA-4A05-B6BF-AB4638D1CBB1}" type="slidenum">
               <a:rPr lang="en-US" sz="1400">
                 <a:latin typeface="Times New Roman"/>
               </a:rPr>
@@ -1537,7 +1537,7 @@
               <a:rPr lang="en-US" sz="4400">
                 <a:latin typeface="Arial"/>
               </a:rPr>
-              <a:t>Overlapping % </a:t>
+              <a:t>Central – Peripheral OR representation</a:t>
             </a:r>
             <a:endParaRPr/>
           </a:p>
@@ -1557,7 +1557,7 @@
         </p:blipFill>
         <p:spPr>
           <a:xfrm>
-            <a:off x="2573640" y="2395080"/>
+            <a:off x="2367000" y="1773720"/>
             <a:ext cx="5346360" cy="4012920"/>
           </a:xfrm>
           <a:prstGeom prst="rect">
@@ -1568,6 +1568,162 @@
           </a:ln>
         </p:spPr>
       </p:pic>
+      <p:sp>
+        <p:nvSpPr>
+          <p:cNvPr id="41" name="CustomShape 2"/>
+          <p:cNvSpPr/>
+          <p:nvPr/>
+        </p:nvSpPr>
+        <p:spPr>
+          <a:xfrm>
+            <a:off x="7560000" y="3024000"/>
+            <a:ext cx="369360" cy="144000"/>
+          </a:xfrm>
+          <a:prstGeom prst="rect">
+            <a:avLst/>
+          </a:prstGeom>
+          <a:solidFill>
+            <a:srgbClr val="ffff00"/>
+          </a:solidFill>
+          <a:ln>
+            <a:solidFill>
+              <a:srgbClr val="000000"/>
+            </a:solidFill>
+          </a:ln>
+        </p:spPr>
+      </p:sp>
+      <p:sp>
+        <p:nvSpPr>
+          <p:cNvPr id="42" name="CustomShape 3"/>
+          <p:cNvSpPr/>
+          <p:nvPr/>
+        </p:nvSpPr>
+        <p:spPr>
+          <a:xfrm>
+            <a:off x="7560000" y="3456000"/>
+            <a:ext cx="369360" cy="144000"/>
+          </a:xfrm>
+          <a:prstGeom prst="rect">
+            <a:avLst/>
+          </a:prstGeom>
+          <a:solidFill>
+            <a:srgbClr val="00ffff"/>
+          </a:solidFill>
+          <a:ln>
+            <a:solidFill>
+              <a:srgbClr val="000000"/>
+            </a:solidFill>
+          </a:ln>
+        </p:spPr>
+      </p:sp>
+      <p:sp>
+        <p:nvSpPr>
+          <p:cNvPr id="43" name="CustomShape 4"/>
+          <p:cNvSpPr/>
+          <p:nvPr/>
+        </p:nvSpPr>
+        <p:spPr>
+          <a:xfrm>
+            <a:off x="7560000" y="3888000"/>
+            <a:ext cx="369360" cy="144000"/>
+          </a:xfrm>
+          <a:prstGeom prst="rect">
+            <a:avLst/>
+          </a:prstGeom>
+          <a:solidFill>
+            <a:srgbClr val="dc2300"/>
+          </a:solidFill>
+          <a:ln>
+            <a:solidFill>
+              <a:srgbClr val="000000"/>
+            </a:solidFill>
+          </a:ln>
+        </p:spPr>
+      </p:sp>
+      <p:sp>
+        <p:nvSpPr>
+          <p:cNvPr id="44" name="TextShape 5"/>
+          <p:cNvSpPr txBox="1"/>
+          <p:nvPr/>
+        </p:nvSpPr>
+        <p:spPr>
+          <a:xfrm>
+            <a:off x="8208000" y="2880000"/>
+            <a:ext cx="1440000" cy="346320"/>
+          </a:xfrm>
+          <a:prstGeom prst="rect">
+            <a:avLst/>
+          </a:prstGeom>
+        </p:spPr>
+        <p:txBody>
+          <a:bodyPr lIns="90000" rIns="90000" tIns="45000" bIns="45000"/>
+          <a:p>
+            <a:r>
+              <a:rPr lang="en-US">
+                <a:latin typeface="Arial"/>
+              </a:rPr>
+              <a:t>Overlapping</a:t>
+            </a:r>
+            <a:endParaRPr/>
+          </a:p>
+        </p:txBody>
+      </p:sp>
+      <p:sp>
+        <p:nvSpPr>
+          <p:cNvPr id="45" name="TextShape 6"/>
+          <p:cNvSpPr txBox="1"/>
+          <p:nvPr/>
+        </p:nvSpPr>
+        <p:spPr>
+          <a:xfrm>
+            <a:off x="8208000" y="3397680"/>
+            <a:ext cx="1440000" cy="346320"/>
+          </a:xfrm>
+          <a:prstGeom prst="rect">
+            <a:avLst/>
+          </a:prstGeom>
+        </p:spPr>
+        <p:txBody>
+          <a:bodyPr lIns="90000" rIns="90000" tIns="45000" bIns="45000"/>
+          <a:p>
+            <a:r>
+              <a:rPr lang="en-US">
+                <a:latin typeface="Arial"/>
+              </a:rPr>
+              <a:t>Central -OL</a:t>
+            </a:r>
+            <a:endParaRPr/>
+          </a:p>
+        </p:txBody>
+      </p:sp>
+      <p:sp>
+        <p:nvSpPr>
+          <p:cNvPr id="46" name="TextShape 7"/>
+          <p:cNvSpPr txBox="1"/>
+          <p:nvPr/>
+        </p:nvSpPr>
+        <p:spPr>
+          <a:xfrm>
+            <a:off x="8208000" y="3829680"/>
+            <a:ext cx="1872000" cy="346320"/>
+          </a:xfrm>
+          <a:prstGeom prst="rect">
+            <a:avLst/>
+          </a:prstGeom>
+        </p:spPr>
+        <p:txBody>
+          <a:bodyPr lIns="90000" rIns="90000" tIns="45000" bIns="45000"/>
+          <a:p>
+            <a:r>
+              <a:rPr lang="en-US">
+                <a:latin typeface="Arial"/>
+              </a:rPr>
+              <a:t>Peripheral -OL</a:t>
+            </a:r>
+            <a:endParaRPr/>
+          </a:p>
+        </p:txBody>
+      </p:sp>
     </p:spTree>
   </p:cSld>
   <p:timing>
@@ -1619,7 +1775,7 @@
       </p:grpSpPr>
       <p:sp>
         <p:nvSpPr>
-          <p:cNvPr id="41" name="TextShape 1"/>
+          <p:cNvPr id="47" name="TextShape 1"/>
           <p:cNvSpPr txBox="1"/>
           <p:nvPr/>
         </p:nvSpPr>
@@ -1640,7 +1796,7 @@
               <a:rPr lang="en-US" sz="4400">
                 <a:latin typeface="Arial"/>
               </a:rPr>
-              <a:t>Central – Peripheral OR representation</a:t>
+              <a:t>Removed overlapping portion</a:t>
             </a:r>
             <a:endParaRPr/>
           </a:p>
@@ -1648,7 +1804,7 @@
       </p:sp>
       <p:pic>
         <p:nvPicPr>
-          <p:cNvPr id="42" name="" descr=""/>
+          <p:cNvPr id="48" name="" descr=""/>
           <p:cNvPicPr/>
           <p:nvPr/>
         </p:nvPicPr>
@@ -1673,31 +1829,7 @@
       </p:pic>
       <p:sp>
         <p:nvSpPr>
-          <p:cNvPr id="43" name="CustomShape 2"/>
-          <p:cNvSpPr/>
-          <p:nvPr/>
-        </p:nvSpPr>
-        <p:spPr>
-          <a:xfrm>
-            <a:off x="7560000" y="3024000"/>
-            <a:ext cx="369360" cy="144000"/>
-          </a:xfrm>
-          <a:prstGeom prst="rect">
-            <a:avLst/>
-          </a:prstGeom>
-          <a:solidFill>
-            <a:srgbClr val="ffff00"/>
-          </a:solidFill>
-          <a:ln>
-            <a:solidFill>
-              <a:srgbClr val="000000"/>
-            </a:solidFill>
-          </a:ln>
-        </p:spPr>
-      </p:sp>
-      <p:sp>
-        <p:nvSpPr>
-          <p:cNvPr id="44" name="CustomShape 3"/>
+          <p:cNvPr id="49" name="CustomShape 2"/>
           <p:cNvSpPr/>
           <p:nvPr/>
         </p:nvSpPr>
@@ -1721,7 +1853,7 @@
       </p:sp>
       <p:sp>
         <p:nvSpPr>
-          <p:cNvPr id="45" name="CustomShape 4"/>
+          <p:cNvPr id="50" name="CustomShape 3"/>
           <p:cNvSpPr/>
           <p:nvPr/>
         </p:nvSpPr>
@@ -1745,13 +1877,13 @@
       </p:sp>
       <p:sp>
         <p:nvSpPr>
-          <p:cNvPr id="46" name="TextShape 5"/>
+          <p:cNvPr id="51" name="TextShape 4"/>
           <p:cNvSpPr txBox="1"/>
           <p:nvPr/>
         </p:nvSpPr>
         <p:spPr>
           <a:xfrm>
-            <a:off x="8208000" y="2880000"/>
+            <a:off x="8208000" y="3397680"/>
             <a:ext cx="1440000" cy="346320"/>
           </a:xfrm>
           <a:prstGeom prst="rect">
@@ -1765,34 +1897,6 @@
               <a:rPr lang="en-US">
                 <a:latin typeface="Arial"/>
               </a:rPr>
-              <a:t>Overlapping</a:t>
-            </a:r>
-            <a:endParaRPr/>
-          </a:p>
-        </p:txBody>
-      </p:sp>
-      <p:sp>
-        <p:nvSpPr>
-          <p:cNvPr id="47" name="TextShape 6"/>
-          <p:cNvSpPr txBox="1"/>
-          <p:nvPr/>
-        </p:nvSpPr>
-        <p:spPr>
-          <a:xfrm>
-            <a:off x="8208000" y="3397680"/>
-            <a:ext cx="1440000" cy="346320"/>
-          </a:xfrm>
-          <a:prstGeom prst="rect">
-            <a:avLst/>
-          </a:prstGeom>
-        </p:spPr>
-        <p:txBody>
-          <a:bodyPr lIns="90000" rIns="90000" tIns="45000" bIns="45000"/>
-          <a:p>
-            <a:r>
-              <a:rPr lang="en-US">
-                <a:latin typeface="Arial"/>
-              </a:rPr>
               <a:t>Central -OL</a:t>
             </a:r>
             <a:endParaRPr/>
@@ -1801,7 +1905,7 @@
       </p:sp>
       <p:sp>
         <p:nvSpPr>
-          <p:cNvPr id="48" name="TextShape 7"/>
+          <p:cNvPr id="52" name="TextShape 5"/>
           <p:cNvSpPr txBox="1"/>
           <p:nvPr/>
         </p:nvSpPr>
@@ -1878,7 +1982,7 @@
       </p:grpSpPr>
       <p:sp>
         <p:nvSpPr>
-          <p:cNvPr id="49" name="TextShape 1"/>
+          <p:cNvPr id="53" name="TextShape 1"/>
           <p:cNvSpPr txBox="1"/>
           <p:nvPr/>
         </p:nvSpPr>
@@ -1899,7 +2003,7 @@
               <a:rPr lang="en-US" sz="4400">
                 <a:latin typeface="Arial"/>
               </a:rPr>
-              <a:t>Removed overlapping portion</a:t>
+              <a:t>Overlapping % </a:t>
             </a:r>
             <a:endParaRPr/>
           </a:p>
@@ -1907,7 +2011,7 @@
       </p:sp>
       <p:pic>
         <p:nvPicPr>
-          <p:cNvPr id="50" name="" descr=""/>
+          <p:cNvPr id="54" name="" descr=""/>
           <p:cNvPicPr/>
           <p:nvPr/>
         </p:nvPicPr>
@@ -1919,8 +2023,8 @@
         </p:blipFill>
         <p:spPr>
           <a:xfrm>
-            <a:off x="2367000" y="1773720"/>
-            <a:ext cx="5346360" cy="4012920"/>
+            <a:off x="1723320" y="1830600"/>
+            <a:ext cx="6633360" cy="4978800"/>
           </a:xfrm>
           <a:prstGeom prst="rect">
             <a:avLst/>
@@ -1930,110 +2034,6 @@
           </a:ln>
         </p:spPr>
       </p:pic>
-      <p:sp>
-        <p:nvSpPr>
-          <p:cNvPr id="51" name="CustomShape 2"/>
-          <p:cNvSpPr/>
-          <p:nvPr/>
-        </p:nvSpPr>
-        <p:spPr>
-          <a:xfrm>
-            <a:off x="7560000" y="3456000"/>
-            <a:ext cx="369360" cy="144000"/>
-          </a:xfrm>
-          <a:prstGeom prst="rect">
-            <a:avLst/>
-          </a:prstGeom>
-          <a:solidFill>
-            <a:srgbClr val="00ffff"/>
-          </a:solidFill>
-          <a:ln>
-            <a:solidFill>
-              <a:srgbClr val="000000"/>
-            </a:solidFill>
-          </a:ln>
-        </p:spPr>
-      </p:sp>
-      <p:sp>
-        <p:nvSpPr>
-          <p:cNvPr id="52" name="CustomShape 3"/>
-          <p:cNvSpPr/>
-          <p:nvPr/>
-        </p:nvSpPr>
-        <p:spPr>
-          <a:xfrm>
-            <a:off x="7560000" y="3888000"/>
-            <a:ext cx="369360" cy="144000"/>
-          </a:xfrm>
-          <a:prstGeom prst="rect">
-            <a:avLst/>
-          </a:prstGeom>
-          <a:solidFill>
-            <a:srgbClr val="dc2300"/>
-          </a:solidFill>
-          <a:ln>
-            <a:solidFill>
-              <a:srgbClr val="000000"/>
-            </a:solidFill>
-          </a:ln>
-        </p:spPr>
-      </p:sp>
-      <p:sp>
-        <p:nvSpPr>
-          <p:cNvPr id="53" name="TextShape 4"/>
-          <p:cNvSpPr txBox="1"/>
-          <p:nvPr/>
-        </p:nvSpPr>
-        <p:spPr>
-          <a:xfrm>
-            <a:off x="8208000" y="3397680"/>
-            <a:ext cx="1440000" cy="346320"/>
-          </a:xfrm>
-          <a:prstGeom prst="rect">
-            <a:avLst/>
-          </a:prstGeom>
-        </p:spPr>
-        <p:txBody>
-          <a:bodyPr lIns="90000" rIns="90000" tIns="45000" bIns="45000"/>
-          <a:p>
-            <a:r>
-              <a:rPr lang="en-US">
-                <a:latin typeface="Arial"/>
-              </a:rPr>
-              <a:t>Central -OL</a:t>
-            </a:r>
-            <a:endParaRPr/>
-          </a:p>
-        </p:txBody>
-      </p:sp>
-      <p:sp>
-        <p:nvSpPr>
-          <p:cNvPr id="54" name="TextShape 5"/>
-          <p:cNvSpPr txBox="1"/>
-          <p:nvPr/>
-        </p:nvSpPr>
-        <p:spPr>
-          <a:xfrm>
-            <a:off x="8208000" y="3829680"/>
-            <a:ext cx="1872000" cy="346320"/>
-          </a:xfrm>
-          <a:prstGeom prst="rect">
-            <a:avLst/>
-          </a:prstGeom>
-        </p:spPr>
-        <p:txBody>
-          <a:bodyPr lIns="90000" rIns="90000" tIns="45000" bIns="45000"/>
-          <a:p>
-            <a:r>
-              <a:rPr lang="en-US">
-                <a:latin typeface="Arial"/>
-              </a:rPr>
-              <a:t>Peripheral -OL</a:t>
-            </a:r>
-            <a:endParaRPr/>
-          </a:p>
-        </p:txBody>
-      </p:sp>
     </p:spTree>
   </p:cSld>
   <p:timing>
